--- a/Documentacion/historias de usuario/Criterios de Aceptación/Criterios de Aceptación.pptx
+++ b/Documentacion/historias de usuario/Criterios de Aceptación/Criterios de Aceptación.pptx
@@ -111,6 +111,11 @@
       </a:defRPr>
     </a:lvl9pPr>
   </p:defaultTextStyle>
+  <p:extLst>
+    <p:ext uri="{EFAFB233-063F-42B5-8137-9DF3F51BA10A}">
+      <p15:sldGuideLst xmlns:p15="http://schemas.microsoft.com/office/powerpoint/2012/main"/>
+    </p:ext>
+  </p:extLst>
 </p:presentation>
 </file>
 
@@ -6281,78 +6286,76 @@
         <p:spPr/>
         <p:txBody>
           <a:bodyPr>
-            <a:normAutofit fontScale="85000" lnSpcReduction="10000"/>
+            <a:normAutofit/>
           </a:bodyPr>
           <a:lstStyle/>
           <a:p>
             <a:r>
-              <a:rPr lang="es-ES" b="1" dirty="0"/>
-              <a:t>Historia de Usuario 2</a:t>
-            </a:r>
-          </a:p>
-          <a:p>
-            <a:r>
-              <a:rPr lang="es-ES" b="1" dirty="0"/>
-              <a:t>Como usuario quiero o necesito</a:t>
-            </a:r>
-          </a:p>
-          <a:p>
-            <a:r>
-              <a:rPr lang="es-ES" b="1" dirty="0"/>
+              <a:rPr lang="es-ES" sz="1500" b="1" dirty="0" smtClean="0"/>
+              <a:t>Como </a:t>
+            </a:r>
+            <a:r>
+              <a:rPr lang="es-ES" sz="1500" b="1" dirty="0"/>
+              <a:t>usuario quiero o necesito</a:t>
+            </a:r>
+          </a:p>
+          <a:p>
+            <a:r>
+              <a:rPr lang="es-ES" sz="1500" dirty="0"/>
               <a:t>Como usuario me gustaría observar que esté el buscador en todas las páginas de mi APP o </a:t>
             </a:r>
             <a:r>
-              <a:rPr lang="es-ES" b="1" dirty="0" err="1"/>
+              <a:rPr lang="es-ES" sz="1500" dirty="0" err="1"/>
               <a:t>website</a:t>
             </a:r>
             <a:r>
-              <a:rPr lang="es-ES" b="1" dirty="0"/>
+              <a:rPr lang="es-ES" sz="1500" dirty="0"/>
               <a:t> para hacer una búsqueda nueva de manera inmediata si necesito rebuscar en cualquier momento o me surgen nuevas dudas para que me resulte mas </a:t>
             </a:r>
             <a:r>
-              <a:rPr lang="es-ES" b="1" dirty="0" err="1"/>
+              <a:rPr lang="es-ES" sz="1500" dirty="0" err="1"/>
               <a:t>facil</a:t>
             </a:r>
             <a:r>
-              <a:rPr lang="es-ES" b="1" dirty="0"/>
+              <a:rPr lang="es-ES" sz="1500" dirty="0"/>
               <a:t> hacer mis compras según mis gustos.</a:t>
             </a:r>
           </a:p>
           <a:p>
             <a:r>
-              <a:rPr lang="es-ES" b="1" dirty="0"/>
+              <a:rPr lang="es-ES" sz="1500" b="1" dirty="0"/>
               <a:t>Criterios de Aceptación</a:t>
             </a:r>
           </a:p>
           <a:p>
             <a:r>
-              <a:rPr lang="es-ES" b="1" dirty="0"/>
+              <a:rPr lang="es-ES" sz="1500" dirty="0"/>
               <a:t>Escenario: El usuario necesita en el sistema tener el buscador constantemente al alcance y accesible en todo momento.</a:t>
             </a:r>
           </a:p>
           <a:p>
             <a:r>
-              <a:rPr lang="es-ES" b="1" dirty="0"/>
+              <a:rPr lang="es-ES" sz="1500" dirty="0"/>
               <a:t>“Dado que estoy en el rol de un usuario registrado o usuario invitado  cuando estoy navegando por mi </a:t>
             </a:r>
             <a:r>
-              <a:rPr lang="es-ES" b="1" dirty="0" err="1"/>
+              <a:rPr lang="es-ES" sz="1500" dirty="0" err="1"/>
               <a:t>website</a:t>
             </a:r>
             <a:r>
-              <a:rPr lang="es-ES" b="1" dirty="0"/>
+              <a:rPr lang="es-ES" sz="1500" dirty="0"/>
               <a:t> o APP”</a:t>
             </a:r>
           </a:p>
           <a:p>
             <a:r>
-              <a:rPr lang="es-ES" b="1" dirty="0"/>
+              <a:rPr lang="es-ES" sz="1500" dirty="0"/>
               <a:t>El sistema me muestra una barra grande, rápida e intuitiva, en todo momento, excepto cuando estoy en el LOGIN o REGISTRO. Además hemos incluido opciones en la búsqueda</a:t>
             </a:r>
           </a:p>
           <a:p>
             <a:r>
-              <a:rPr lang="es-ES" b="1" dirty="0"/>
+              <a:rPr lang="es-ES" sz="1500" dirty="0"/>
               <a:t>La barra de búsqueda siempre tiene la misma funcionalidad.</a:t>
             </a:r>
           </a:p>
@@ -6886,95 +6889,95 @@
         <p:spPr/>
         <p:txBody>
           <a:bodyPr>
-            <a:normAutofit fontScale="92500" lnSpcReduction="10000"/>
+            <a:normAutofit/>
           </a:bodyPr>
           <a:lstStyle/>
           <a:p>
             <a:r>
-              <a:rPr lang="es-ES" b="1" dirty="0" smtClean="0"/>
+              <a:rPr lang="es-ES" sz="1500" b="1" dirty="0" smtClean="0"/>
               <a:t>Como </a:t>
             </a:r>
             <a:r>
-              <a:rPr lang="es-ES" b="1" dirty="0"/>
+              <a:rPr lang="es-ES" sz="1500" b="1" dirty="0"/>
               <a:t>usuario quiero o necesito</a:t>
             </a:r>
-            <a:endParaRPr lang="es-ES" dirty="0"/>
-          </a:p>
-          <a:p>
-            <a:r>
-              <a:rPr lang="es-ES" dirty="0"/>
+            <a:endParaRPr lang="es-ES" sz="1500" dirty="0"/>
+          </a:p>
+          <a:p>
+            <a:r>
+              <a:rPr lang="es-ES" sz="1500" dirty="0"/>
               <a:t>Como usuario quiero categorizados y comparados productos de segunda mano, comparados entre sí y comparados con productos nuevos porque me es muy </a:t>
             </a:r>
             <a:r>
-              <a:rPr lang="es-ES" dirty="0" err="1"/>
+              <a:rPr lang="es-ES" sz="1500" dirty="0" err="1"/>
               <a:t>dificil</a:t>
             </a:r>
             <a:r>
-              <a:rPr lang="es-ES" dirty="0"/>
+              <a:rPr lang="es-ES" sz="1500" dirty="0"/>
               <a:t> ir a </a:t>
             </a:r>
             <a:r>
-              <a:rPr lang="es-ES" dirty="0" err="1"/>
+              <a:rPr lang="es-ES" sz="1500" dirty="0" err="1"/>
               <a:t>págnas</a:t>
             </a:r>
             <a:r>
-              <a:rPr lang="es-ES" dirty="0"/>
+              <a:rPr lang="es-ES" sz="1500" dirty="0"/>
               <a:t>  </a:t>
             </a:r>
             <a:r>
-              <a:rPr lang="es-ES" dirty="0" err="1"/>
+              <a:rPr lang="es-ES" sz="1500" dirty="0" err="1"/>
               <a:t>wbs</a:t>
             </a:r>
             <a:r>
-              <a:rPr lang="es-ES" dirty="0"/>
+              <a:rPr lang="es-ES" sz="1500" dirty="0"/>
               <a:t> y buscar aplicaciones o </a:t>
             </a:r>
             <a:r>
-              <a:rPr lang="es-ES" dirty="0" err="1"/>
+              <a:rPr lang="es-ES" sz="1500" dirty="0" err="1"/>
               <a:t>websites</a:t>
             </a:r>
             <a:r>
-              <a:rPr lang="es-ES" dirty="0"/>
+              <a:rPr lang="es-ES" sz="1500" dirty="0"/>
               <a:t> de segunda mano de particulares o empresas para poder comparar precios.</a:t>
             </a:r>
           </a:p>
           <a:p>
             <a:r>
-              <a:rPr lang="es-ES" b="1" dirty="0"/>
+              <a:rPr lang="es-ES" sz="1500" b="1" dirty="0"/>
               <a:t>Criterios de Aceptación</a:t>
             </a:r>
           </a:p>
           <a:p>
             <a:r>
-              <a:rPr lang="es-ES" dirty="0"/>
+              <a:rPr lang="es-ES" sz="1500" dirty="0"/>
               <a:t>Escenario: El usuario quiere que se incluyan productos de segunda mano.</a:t>
             </a:r>
           </a:p>
           <a:p>
             <a:r>
-              <a:rPr lang="es-ES" dirty="0"/>
+              <a:rPr lang="es-ES" sz="1500" dirty="0"/>
               <a:t>“Dado que estoy en el rol de un usuario registrado o usuario invitado cuando estoy navegando por un </a:t>
             </a:r>
             <a:r>
-              <a:rPr lang="es-ES" dirty="0" err="1"/>
+              <a:rPr lang="es-ES" sz="1500" dirty="0" err="1"/>
               <a:t>website</a:t>
             </a:r>
             <a:r>
-              <a:rPr lang="es-ES" dirty="0"/>
+              <a:rPr lang="es-ES" sz="1500" dirty="0"/>
               <a:t> o APP de productos de segunda mano para no usar paginas web externas."</a:t>
             </a:r>
           </a:p>
           <a:p>
             <a:r>
-              <a:rPr lang="es-ES" dirty="0"/>
+              <a:rPr lang="es-ES" sz="1500" dirty="0"/>
               <a:t>El sistema me muestra en los listados productos de segunda mano y además puedo elegirlo en la búsqueda avanzada, como opción o no </a:t>
             </a:r>
             <a:r>
-              <a:rPr lang="es-ES" dirty="0" err="1"/>
+              <a:rPr lang="es-ES" sz="1500" dirty="0" err="1"/>
               <a:t>selecccionarlo</a:t>
             </a:r>
             <a:r>
-              <a:rPr lang="es-ES" dirty="0"/>
+              <a:rPr lang="es-ES" sz="1500" dirty="0"/>
               <a:t> sino lo necesito.</a:t>
             </a:r>
           </a:p>
@@ -7073,78 +7076,78 @@
           <a:lstStyle/>
           <a:p>
             <a:r>
-              <a:rPr lang="es-ES" b="1" dirty="0" smtClean="0"/>
+              <a:rPr lang="es-ES" sz="1400" b="1" dirty="0" smtClean="0"/>
               <a:t>Como </a:t>
             </a:r>
             <a:r>
-              <a:rPr lang="es-ES" b="1" dirty="0"/>
+              <a:rPr lang="es-ES" sz="1400" b="1" dirty="0"/>
               <a:t>usuario quiero o necesito</a:t>
             </a:r>
           </a:p>
           <a:p>
             <a:r>
-              <a:rPr lang="es-ES" dirty="0"/>
+              <a:rPr lang="es-ES" sz="1400" dirty="0"/>
               <a:t>Como usuario preferiría no registrarme en algunos momentos, o hacer </a:t>
             </a:r>
             <a:r>
-              <a:rPr lang="es-ES" dirty="0" err="1"/>
+              <a:rPr lang="es-ES" sz="1400" dirty="0" err="1"/>
               <a:t>login</a:t>
             </a:r>
             <a:r>
-              <a:rPr lang="es-ES" dirty="0"/>
+              <a:rPr lang="es-ES" sz="1400" dirty="0"/>
               <a:t> y en algunos momentos es </a:t>
             </a:r>
             <a:r>
-              <a:rPr lang="es-ES" dirty="0" err="1"/>
+              <a:rPr lang="es-ES" sz="1400" dirty="0" err="1"/>
               <a:t>icnomodo</a:t>
             </a:r>
             <a:r>
-              <a:rPr lang="es-ES" dirty="0"/>
+              <a:rPr lang="es-ES" sz="1400" dirty="0"/>
               <a:t> y no tengo tiempo suficiente para el registro.</a:t>
             </a:r>
           </a:p>
           <a:p>
             <a:r>
-              <a:rPr lang="es-ES" b="1" dirty="0"/>
+              <a:rPr lang="es-ES" sz="1400" b="1" dirty="0"/>
               <a:t>Criterios de Aceptación</a:t>
             </a:r>
           </a:p>
           <a:p>
             <a:r>
-              <a:rPr lang="es-ES" dirty="0"/>
+              <a:rPr lang="es-ES" sz="1400" dirty="0"/>
               <a:t>Escenario: El usuario quiere que no haga falta registrarse.</a:t>
             </a:r>
           </a:p>
           <a:p>
             <a:r>
-              <a:rPr lang="es-ES" dirty="0"/>
+              <a:rPr lang="es-ES" sz="1400" dirty="0"/>
               <a:t>“Dado que estoy en el rol de un usuario registrado o usuario invitado cuando estoy navegando por un </a:t>
             </a:r>
             <a:r>
-              <a:rPr lang="es-ES" dirty="0" err="1"/>
+              <a:rPr lang="es-ES" sz="1400" dirty="0" err="1"/>
               <a:t>website</a:t>
             </a:r>
             <a:r>
-              <a:rPr lang="es-ES" dirty="0"/>
+              <a:rPr lang="es-ES" sz="1400" dirty="0"/>
               <a:t> o APP de productos para el ahorro no tener que registrarme"</a:t>
             </a:r>
           </a:p>
           <a:p>
             <a:r>
-              <a:rPr lang="es-ES" dirty="0"/>
+              <a:rPr lang="es-ES" sz="1400" dirty="0"/>
               <a:t>El sistema me permite operar completamente sin tener que pasar por el proceso de registro o </a:t>
             </a:r>
             <a:r>
-              <a:rPr lang="es-ES" dirty="0" err="1"/>
+              <a:rPr lang="es-ES" sz="1400" dirty="0" err="1"/>
               <a:t>login</a:t>
             </a:r>
             <a:r>
-              <a:rPr lang="es-ES" dirty="0"/>
+              <a:rPr lang="es-ES" sz="1400" dirty="0"/>
               <a:t>. </a:t>
             </a:r>
           </a:p>
           <a:p>
-            <a:endParaRPr lang="es-ES" dirty="0"/>
+            <a:endParaRPr lang="es-ES" sz="1400" dirty="0"/>
           </a:p>
         </p:txBody>
       </p:sp>
@@ -7233,61 +7236,55 @@
         <p:spPr/>
         <p:txBody>
           <a:bodyPr>
-            <a:normAutofit lnSpcReduction="10000"/>
+            <a:normAutofit/>
           </a:bodyPr>
           <a:lstStyle/>
           <a:p>
             <a:r>
-              <a:rPr lang="es-ES" b="1" dirty="0"/>
-              <a:t>Historia de Usuario 7</a:t>
-            </a:r>
-          </a:p>
-          <a:p>
-            <a:r>
-              <a:rPr lang="es-ES" b="1" dirty="0" smtClean="0"/>
+              <a:rPr lang="es-ES" sz="1400" b="1" dirty="0" smtClean="0"/>
               <a:t>Como </a:t>
             </a:r>
             <a:r>
-              <a:rPr lang="es-ES" b="1" dirty="0"/>
+              <a:rPr lang="es-ES" sz="1400" b="1" dirty="0"/>
               <a:t>usuario quiero o necesito</a:t>
             </a:r>
-            <a:endParaRPr lang="es-ES" dirty="0"/>
-          </a:p>
-          <a:p>
-            <a:r>
-              <a:rPr lang="es-ES" dirty="0"/>
+            <a:endParaRPr lang="es-ES" sz="1400" dirty="0"/>
+          </a:p>
+          <a:p>
+            <a:r>
+              <a:rPr lang="es-ES" sz="1400" dirty="0"/>
               <a:t>Me gustaría encontrar vales de descuentos y cupones que no estén caducados y estén completamente actualizados.</a:t>
             </a:r>
           </a:p>
           <a:p>
             <a:r>
-              <a:rPr lang="es-ES" dirty="0"/>
+              <a:rPr lang="es-ES" sz="1400" dirty="0"/>
               <a:t>Criterios de Aceptación</a:t>
             </a:r>
           </a:p>
           <a:p>
             <a:r>
-              <a:rPr lang="es-ES" dirty="0"/>
+              <a:rPr lang="es-ES" sz="1400" dirty="0"/>
               <a:t>Escenario: El usuario quiere vales descuentos y cupones que no estén caducados.</a:t>
             </a:r>
           </a:p>
           <a:p>
             <a:r>
-              <a:rPr lang="es-ES" dirty="0"/>
+              <a:rPr lang="es-ES" sz="1400" dirty="0"/>
               <a:t>“Dado que estoy en el rol de un usuario registrado o usuario invitado cuando estoy navegando por un </a:t>
             </a:r>
             <a:r>
-              <a:rPr lang="es-ES" dirty="0" err="1"/>
+              <a:rPr lang="es-ES" sz="1400" dirty="0" err="1"/>
               <a:t>website</a:t>
             </a:r>
             <a:r>
-              <a:rPr lang="es-ES" dirty="0"/>
+              <a:rPr lang="es-ES" sz="1400" dirty="0"/>
               <a:t> o APP quiero vales que me permitan ahorrar y cupones pero que no estén caducados"</a:t>
             </a:r>
           </a:p>
           <a:p>
             <a:r>
-              <a:rPr lang="es-ES" dirty="0"/>
+              <a:rPr lang="es-ES" sz="1400" dirty="0"/>
               <a:t>En la búsqueda avanzada permite elegir cupones y vales descuentos como opción a mostrar.</a:t>
             </a:r>
           </a:p>

--- a/Documentacion/historias de usuario/Criterios de Aceptación/Criterios de Aceptación.pptx
+++ b/Documentacion/historias de usuario/Criterios de Aceptación/Criterios de Aceptación.pptx
@@ -5852,10 +5852,10 @@
           <a:lstStyle/>
           <a:p>
             <a:r>
-              <a:rPr lang="es-ES" dirty="0" smtClean="0"/>
+              <a:rPr lang="es-ES" b="1" dirty="0" smtClean="0"/>
               <a:t>Criterios de Aceptación</a:t>
             </a:r>
-            <a:endParaRPr lang="es-ES" dirty="0"/>
+            <a:endParaRPr lang="es-ES" b="1" dirty="0"/>
           </a:p>
         </p:txBody>
       </p:sp>
@@ -5875,10 +5875,10 @@
           <a:lstStyle/>
           <a:p>
             <a:r>
-              <a:rPr lang="es-ES" dirty="0" smtClean="0"/>
+              <a:rPr lang="es-ES" b="1" dirty="0" smtClean="0"/>
               <a:t>Ahorrando-Ando</a:t>
             </a:r>
-            <a:endParaRPr lang="es-ES" dirty="0"/>
+            <a:endParaRPr lang="es-ES" b="1" dirty="0"/>
           </a:p>
         </p:txBody>
       </p:sp>
@@ -5941,7 +5941,15 @@
                   <a:srgbClr val="0070C0"/>
                 </a:solidFill>
               </a:rPr>
-              <a:t>Historia de Usuario 1</a:t>
+              <a:t>Historia de Usuario </a:t>
+            </a:r>
+            <a:r>
+              <a:rPr lang="es-ES" b="1" dirty="0" smtClean="0">
+                <a:solidFill>
+                  <a:srgbClr val="0070C0"/>
+                </a:solidFill>
+              </a:rPr>
+              <a:t>1 Buscador</a:t>
             </a:r>
             <a:endParaRPr lang="es-ES" dirty="0"/>
           </a:p>
@@ -5960,7 +5968,7 @@
         <p:spPr/>
         <p:txBody>
           <a:bodyPr>
-            <a:normAutofit fontScale="70000" lnSpcReduction="20000"/>
+            <a:normAutofit fontScale="77500" lnSpcReduction="20000"/>
           </a:bodyPr>
           <a:lstStyle/>
           <a:p>
@@ -5985,10 +5993,18 @@
                   <a:schemeClr val="tx1"/>
                 </a:solidFill>
               </a:rPr>
-              <a:t>Como usuario quiero o necesito</a:t>
-            </a:r>
-            <a:r>
-              <a:rPr lang="es-ES" sz="2000" dirty="0">
+              <a:t>C</a:t>
+            </a:r>
+            <a:r>
+              <a:rPr lang="es-ES" b="1" dirty="0">
+                <a:solidFill>
+                  <a:schemeClr val="tx1"/>
+                </a:solidFill>
+              </a:rPr>
+              <a:t>omo usuario quiero o necesito</a:t>
+            </a:r>
+            <a:r>
+              <a:rPr lang="es-ES" dirty="0">
                 <a:solidFill>
                   <a:schemeClr val="tx1"/>
                 </a:solidFill>
@@ -5996,14 +6012,14 @@
               <a:t/>
             </a:r>
             <a:br>
-              <a:rPr lang="es-ES" sz="2000" dirty="0">
+              <a:rPr lang="es-ES" dirty="0">
                 <a:solidFill>
                   <a:schemeClr val="tx1"/>
                 </a:solidFill>
               </a:rPr>
             </a:br>
             <a:r>
-              <a:rPr lang="es-ES" sz="2000" dirty="0">
+              <a:rPr lang="es-ES" i="1" dirty="0">
                 <a:solidFill>
                   <a:schemeClr val="tx1"/>
                 </a:solidFill>
@@ -6011,7 +6027,7 @@
               <a:t>Como usuario del </a:t>
             </a:r>
             <a:r>
-              <a:rPr lang="es-ES" sz="2000" dirty="0" err="1">
+              <a:rPr lang="es-ES" i="1" dirty="0" err="1">
                 <a:solidFill>
                   <a:schemeClr val="tx1"/>
                 </a:solidFill>
@@ -6019,22 +6035,46 @@
               <a:t>website</a:t>
             </a:r>
             <a:r>
-              <a:rPr lang="es-ES" sz="2000" dirty="0">
+              <a:rPr lang="es-ES" i="1" dirty="0">
                 <a:solidFill>
                   <a:schemeClr val="tx1"/>
                 </a:solidFill>
               </a:rPr>
-              <a:t> quiero poder ser capaz de buscar en la página  para poder encontrar la información necesaria para hacer mis compras de una manera rápida e intuitiva, ahorrando dinero. Lo primero que necesito es el buscador para que quede todo muy claro, en lugar de ver opciones quiero poner exactamente lo que me interesa.</a:t>
+              <a:t> quiero poder ser capaz de buscar en la </a:t>
+            </a:r>
+            <a:r>
+              <a:rPr lang="es-ES" i="1" dirty="0" smtClean="0">
+                <a:solidFill>
+                  <a:schemeClr val="tx1"/>
+                </a:solidFill>
+              </a:rPr>
+              <a:t>página </a:t>
+            </a:r>
+            <a:r>
+              <a:rPr lang="es-ES" i="1" dirty="0">
+                <a:solidFill>
+                  <a:schemeClr val="tx1"/>
+                </a:solidFill>
+              </a:rPr>
+              <a:t>para poder encontrar la información necesaria para hacer mis compras de una manera rápida e intuitiva, ahorrando dinero. Lo primero que necesito es el buscador para que quede todo muy claro, en lugar de ver opciones quiero poner exactamente lo que me interesa.</a:t>
+            </a:r>
+            <a:r>
+              <a:rPr lang="es-ES" dirty="0">
+                <a:solidFill>
+                  <a:schemeClr val="tx1"/>
+                </a:solidFill>
+              </a:rPr>
+              <a:t/>
             </a:r>
             <a:br>
-              <a:rPr lang="es-ES" sz="2000" dirty="0">
+              <a:rPr lang="es-ES" dirty="0">
                 <a:solidFill>
                   <a:schemeClr val="tx1"/>
                 </a:solidFill>
               </a:rPr>
             </a:br>
             <a:r>
-              <a:rPr lang="es-ES" sz="2000" dirty="0">
+              <a:rPr lang="es-ES" dirty="0">
                 <a:solidFill>
                   <a:schemeClr val="tx1"/>
                 </a:solidFill>
@@ -6042,14 +6082,14 @@
               <a:t/>
             </a:r>
             <a:br>
-              <a:rPr lang="es-ES" sz="2000" dirty="0">
+              <a:rPr lang="es-ES" dirty="0">
                 <a:solidFill>
                   <a:schemeClr val="tx1"/>
                 </a:solidFill>
               </a:rPr>
             </a:br>
             <a:r>
-              <a:rPr lang="es-ES" sz="2000" b="1" dirty="0">
+              <a:rPr lang="es-ES" b="1" dirty="0">
                 <a:solidFill>
                   <a:schemeClr val="tx1"/>
                 </a:solidFill>
@@ -6057,7 +6097,7 @@
               <a:t>Criterios de Aceptación</a:t>
             </a:r>
             <a:r>
-              <a:rPr lang="es-ES" sz="2000" dirty="0">
+              <a:rPr lang="es-ES" dirty="0">
                 <a:solidFill>
                   <a:schemeClr val="tx1"/>
                 </a:solidFill>
@@ -6065,139 +6105,236 @@
               <a:t/>
             </a:r>
             <a:br>
-              <a:rPr lang="es-ES" sz="2000" dirty="0">
+              <a:rPr lang="es-ES" dirty="0">
                 <a:solidFill>
                   <a:schemeClr val="tx1"/>
                 </a:solidFill>
               </a:rPr>
             </a:br>
             <a:r>
-              <a:rPr lang="es-ES" sz="2000" dirty="0">
+              <a:rPr lang="es-ES" dirty="0">
                 <a:solidFill>
                   <a:schemeClr val="tx1"/>
                 </a:solidFill>
               </a:rPr>
-              <a:t>Escenario: El usuario busca por un producto por su nombre o por la categoría a la que pertenece el artículo.</a:t>
+              <a:t>Escenario: El usuario </a:t>
+            </a:r>
+            <a:r>
+              <a:rPr lang="es-ES" dirty="0" smtClean="0">
+                <a:solidFill>
+                  <a:schemeClr val="tx1"/>
+                </a:solidFill>
+              </a:rPr>
+              <a:t>busca </a:t>
+            </a:r>
+            <a:r>
+              <a:rPr lang="es-ES" dirty="0">
+                <a:solidFill>
+                  <a:schemeClr val="tx1"/>
+                </a:solidFill>
+              </a:rPr>
+              <a:t>un producto por su nombre o por la categoría a la que pertenece el artículo</a:t>
+            </a:r>
+            <a:r>
+              <a:rPr lang="es-ES" dirty="0" smtClean="0">
+                <a:solidFill>
+                  <a:schemeClr val="tx1"/>
+                </a:solidFill>
+              </a:rPr>
+              <a:t>.</a:t>
+            </a:r>
+          </a:p>
+          <a:p>
+            <a:r>
+              <a:rPr lang="es-ES" dirty="0">
+                <a:solidFill>
+                  <a:schemeClr val="tx1"/>
+                </a:solidFill>
+              </a:rPr>
+              <a:t/>
             </a:r>
             <a:br>
-              <a:rPr lang="es-ES" sz="2000" dirty="0">
+              <a:rPr lang="es-ES" dirty="0">
                 <a:solidFill>
                   <a:schemeClr val="tx1"/>
                 </a:solidFill>
               </a:rPr>
             </a:br>
             <a:r>
-              <a:rPr lang="es-ES" sz="2000" dirty="0">
+              <a:rPr lang="es-ES" u="sng" dirty="0">
                 <a:solidFill>
                   <a:schemeClr val="tx1"/>
                 </a:solidFill>
               </a:rPr>
-              <a:t>“Dado que estoy en el rol de un usuario registrado o usuario invitado cuando abro la página de productos”</a:t>
+              <a:t>“Dado que estoy en el rol de un usuario registrado o usuario invitado cuando abro la página de productos</a:t>
+            </a:r>
+            <a:r>
+              <a:rPr lang="es-ES" u="sng" dirty="0" smtClean="0">
+                <a:solidFill>
+                  <a:schemeClr val="tx1"/>
+                </a:solidFill>
+              </a:rPr>
+              <a:t>”</a:t>
+            </a:r>
+          </a:p>
+          <a:p>
+            <a:r>
+              <a:rPr lang="es-ES" dirty="0">
+                <a:solidFill>
+                  <a:schemeClr val="tx1"/>
+                </a:solidFill>
+              </a:rPr>
+              <a:t/>
             </a:r>
             <a:br>
-              <a:rPr lang="es-ES" sz="2000" dirty="0">
+              <a:rPr lang="es-ES" dirty="0">
                 <a:solidFill>
                   <a:schemeClr val="tx1"/>
                 </a:solidFill>
               </a:rPr>
             </a:br>
             <a:r>
-              <a:rPr lang="es-ES" sz="2000" dirty="0">
+              <a:rPr lang="es-ES" dirty="0">
                 <a:solidFill>
                   <a:schemeClr val="tx1"/>
                 </a:solidFill>
               </a:rPr>
-              <a:t>El sistema me muestra una barra grande con un estilo similar a Google, rápida e intuitiva, donde me dice “Busca aquí y empieza a ahorrar”</a:t>
+              <a:t>El sistema me muestra una barra grande con un estilo similar a Google, rápida e intuitiva, donde me dice </a:t>
+            </a:r>
+            <a:r>
+              <a:rPr lang="es-ES" dirty="0" smtClean="0">
+                <a:solidFill>
+                  <a:schemeClr val="tx1"/>
+                </a:solidFill>
+              </a:rPr>
+              <a:t>“Empieza a </a:t>
+            </a:r>
+            <a:r>
+              <a:rPr lang="es-ES" dirty="0">
+                <a:solidFill>
+                  <a:schemeClr val="tx1"/>
+                </a:solidFill>
+              </a:rPr>
+              <a:t>ahorrar”</a:t>
             </a:r>
             <a:br>
-              <a:rPr lang="es-ES" sz="2000" dirty="0">
+              <a:rPr lang="es-ES" dirty="0">
                 <a:solidFill>
                   <a:schemeClr val="tx1"/>
                 </a:solidFill>
               </a:rPr>
             </a:br>
             <a:r>
-              <a:rPr lang="es-ES" sz="2000" dirty="0">
+              <a:rPr lang="es-ES" dirty="0">
                 <a:solidFill>
                   <a:schemeClr val="tx1"/>
                 </a:solidFill>
               </a:rPr>
-              <a:t>Cuando relleno en el campo de Búsqueda.</a:t>
+              <a:t>Cuando relleno en el campo </a:t>
+            </a:r>
+            <a:r>
+              <a:rPr lang="es-ES" dirty="0">
+                <a:solidFill>
+                  <a:schemeClr val="tx1"/>
+                </a:solidFill>
+              </a:rPr>
+              <a:t>de búsqueda. Cuando </a:t>
+            </a:r>
+            <a:r>
+              <a:rPr lang="es-ES" dirty="0" err="1">
+                <a:solidFill>
+                  <a:schemeClr val="tx1"/>
+                </a:solidFill>
+              </a:rPr>
+              <a:t>clicko</a:t>
+            </a:r>
+            <a:r>
+              <a:rPr lang="es-ES" dirty="0">
+                <a:solidFill>
+                  <a:schemeClr val="tx1"/>
+                </a:solidFill>
+              </a:rPr>
+              <a:t> en el botón Buscar o presiono </a:t>
+            </a:r>
+            <a:r>
+              <a:rPr lang="es-ES" dirty="0" err="1">
+                <a:solidFill>
+                  <a:schemeClr val="tx1"/>
+                </a:solidFill>
+              </a:rPr>
+              <a:t>Enter</a:t>
+            </a:r>
+            <a:r>
+              <a:rPr lang="es-ES" dirty="0">
+                <a:solidFill>
+                  <a:schemeClr val="tx1"/>
+                </a:solidFill>
+              </a:rPr>
+              <a:t> en el teclado, el sistema muestra productos en el campo resultados con nombres de productos que son acordes al producto que he metido</a:t>
+            </a:r>
+            <a:r>
+              <a:rPr lang="es-ES" dirty="0" smtClean="0">
+                <a:solidFill>
+                  <a:schemeClr val="tx1"/>
+                </a:solidFill>
+              </a:rPr>
+              <a:t>.</a:t>
+            </a:r>
+            <a:r>
+              <a:rPr lang="es-ES" dirty="0">
+                <a:solidFill>
+                  <a:schemeClr val="tx1"/>
+                </a:solidFill>
+              </a:rPr>
+              <a:t/>
             </a:r>
             <a:br>
-              <a:rPr lang="es-ES" sz="2000" dirty="0">
+              <a:rPr lang="es-ES" dirty="0">
                 <a:solidFill>
                   <a:schemeClr val="tx1"/>
                 </a:solidFill>
               </a:rPr>
             </a:br>
             <a:r>
-              <a:rPr lang="es-ES" sz="2000" dirty="0">
+              <a:rPr lang="es-ES" dirty="0" smtClean="0">
                 <a:solidFill>
                   <a:schemeClr val="tx1"/>
                 </a:solidFill>
               </a:rPr>
-              <a:t>El sistema me muestra el listado de productos y el sistema muestra  la sección de buscar en el margen superior derecho, dentro de la pestaña menú.</a:t>
-            </a:r>
-            <a:br>
-              <a:rPr lang="es-ES" sz="2000" dirty="0">
+              <a:t>A continuación el </a:t>
+            </a:r>
+            <a:r>
+              <a:rPr lang="es-ES" dirty="0">
                 <a:solidFill>
                   <a:schemeClr val="tx1"/>
                 </a:solidFill>
               </a:rPr>
-            </a:br>
-            <a:r>
-              <a:rPr lang="es-ES" sz="2000" dirty="0">
+              <a:t>sistema me muestra </a:t>
+            </a:r>
+            <a:r>
+              <a:rPr lang="es-ES" dirty="0" smtClean="0">
                 <a:solidFill>
                   <a:schemeClr val="tx1"/>
                 </a:solidFill>
               </a:rPr>
-              <a:t>Cuando </a:t>
-            </a:r>
-            <a:r>
-              <a:rPr lang="es-ES" sz="2000" dirty="0" err="1">
+              <a:t>un </a:t>
+            </a:r>
+            <a:r>
+              <a:rPr lang="es-ES" dirty="0">
                 <a:solidFill>
                   <a:schemeClr val="tx1"/>
                 </a:solidFill>
               </a:rPr>
-              <a:t>clicko</a:t>
-            </a:r>
-            <a:r>
-              <a:rPr lang="es-ES" sz="2000" dirty="0">
+              <a:t>listado de </a:t>
+            </a:r>
+            <a:r>
+              <a:rPr lang="es-ES" dirty="0" smtClean="0">
                 <a:solidFill>
                   <a:schemeClr val="tx1"/>
                 </a:solidFill>
               </a:rPr>
-              <a:t> en el botón Buscar o presiono </a:t>
-            </a:r>
-            <a:r>
-              <a:rPr lang="es-ES" sz="2000" dirty="0" err="1">
-                <a:solidFill>
-                  <a:schemeClr val="tx1"/>
-                </a:solidFill>
-              </a:rPr>
-              <a:t>Enter</a:t>
-            </a:r>
-            <a:r>
-              <a:rPr lang="es-ES" sz="2000" dirty="0">
-                <a:solidFill>
-                  <a:schemeClr val="tx1"/>
-                </a:solidFill>
-              </a:rPr>
-              <a:t> en el teclado, el sistema muestra productos en el campo resultados con nombres de productos que son acordes al producto que he metido y el sistema muestra el número de resultados al principio de la sección de resultados.</a:t>
-            </a:r>
-            <a:br>
-              <a:rPr lang="es-ES" sz="2000" dirty="0">
-                <a:solidFill>
-                  <a:schemeClr val="tx1"/>
-                </a:solidFill>
-              </a:rPr>
-            </a:br>
-            <a:endParaRPr lang="es-ES" sz="2000" dirty="0">
-              <a:solidFill>
-                <a:schemeClr val="tx1"/>
-              </a:solidFill>
-            </a:endParaRPr>
+              <a:t>productos.</a:t>
+            </a:r>
           </a:p>
         </p:txBody>
       </p:sp>
@@ -6250,7 +6387,9 @@
         </p:nvSpPr>
         <p:spPr/>
         <p:txBody>
-          <a:bodyPr/>
+          <a:bodyPr>
+            <a:normAutofit fontScale="90000"/>
+          </a:bodyPr>
           <a:lstStyle/>
           <a:p>
             <a:pPr algn="ctr"/>
@@ -6260,7 +6399,30 @@
                   <a:srgbClr val="0070C0"/>
                 </a:solidFill>
               </a:rPr>
-              <a:t>Historia de Usuario 2</a:t>
+              <a:t>Historia de Usuario </a:t>
+            </a:r>
+            <a:r>
+              <a:rPr lang="es-ES" b="1" dirty="0" smtClean="0">
+                <a:solidFill>
+                  <a:srgbClr val="0070C0"/>
+                </a:solidFill>
+              </a:rPr>
+              <a:t>2 </a:t>
+            </a:r>
+            <a:br>
+              <a:rPr lang="es-ES" b="1" dirty="0" smtClean="0">
+                <a:solidFill>
+                  <a:srgbClr val="0070C0"/>
+                </a:solidFill>
+              </a:rPr>
+            </a:br>
+            <a:r>
+              <a:rPr lang="es-ES" b="1" dirty="0" smtClean="0">
+                <a:solidFill>
+                  <a:srgbClr val="0070C0"/>
+                </a:solidFill>
+              </a:rPr>
+              <a:t>Buscador Disponibilidad</a:t>
             </a:r>
             <a:r>
               <a:rPr lang="es-ES" b="1" dirty="0"/>
@@ -6301,24 +6463,24 @@
           </a:p>
           <a:p>
             <a:r>
-              <a:rPr lang="es-ES" sz="1500" dirty="0"/>
+              <a:rPr lang="es-ES" sz="1500" i="1" dirty="0"/>
               <a:t>Como usuario me gustaría observar que esté el buscador en todas las páginas de mi APP o </a:t>
             </a:r>
             <a:r>
-              <a:rPr lang="es-ES" sz="1500" dirty="0" err="1"/>
+              <a:rPr lang="es-ES" sz="1500" i="1" dirty="0" err="1"/>
               <a:t>website</a:t>
             </a:r>
             <a:r>
-              <a:rPr lang="es-ES" sz="1500" dirty="0"/>
+              <a:rPr lang="es-ES" sz="1500" i="1" dirty="0"/>
               <a:t> para hacer una búsqueda nueva de manera inmediata si necesito rebuscar en cualquier momento o me surgen nuevas dudas para que me resulte mas </a:t>
             </a:r>
             <a:r>
-              <a:rPr lang="es-ES" sz="1500" dirty="0" err="1"/>
-              <a:t>facil</a:t>
-            </a:r>
-            <a:r>
-              <a:rPr lang="es-ES" sz="1500" dirty="0"/>
-              <a:t> hacer mis compras según mis gustos.</a:t>
+              <a:rPr lang="es-ES" sz="1500" i="1" dirty="0" smtClean="0"/>
+              <a:t>fácil </a:t>
+            </a:r>
+            <a:r>
+              <a:rPr lang="es-ES" sz="1500" i="1" dirty="0"/>
+              <a:t>hacer mis compras según mis gustos.</a:t>
             </a:r>
           </a:p>
           <a:p>
@@ -6335,28 +6497,46 @@
           </a:p>
           <a:p>
             <a:r>
+              <a:rPr lang="es-ES" sz="1500" u="sng" dirty="0"/>
+              <a:t>“Dado que estoy en el rol de un usuario registrado o usuario </a:t>
+            </a:r>
+            <a:r>
+              <a:rPr lang="es-ES" sz="1500" u="sng" dirty="0" smtClean="0"/>
+              <a:t>invitado </a:t>
+            </a:r>
+            <a:r>
+              <a:rPr lang="es-ES" sz="1500" u="sng" dirty="0"/>
+              <a:t>cuando estoy navegando por mi </a:t>
+            </a:r>
+            <a:r>
+              <a:rPr lang="es-ES" sz="1500" u="sng" dirty="0" err="1"/>
+              <a:t>website</a:t>
+            </a:r>
+            <a:r>
+              <a:rPr lang="es-ES" sz="1500" u="sng" dirty="0"/>
+              <a:t> o APP”</a:t>
+            </a:r>
+          </a:p>
+          <a:p>
+            <a:r>
               <a:rPr lang="es-ES" sz="1500" dirty="0"/>
-              <a:t>“Dado que estoy en el rol de un usuario registrado o usuario invitado  cuando estoy navegando por mi </a:t>
-            </a:r>
-            <a:r>
-              <a:rPr lang="es-ES" sz="1500" dirty="0" err="1"/>
-              <a:t>website</a:t>
+              <a:t>El sistema me muestra una barra grande, rápida e intuitiva, en todo </a:t>
+            </a:r>
+            <a:r>
+              <a:rPr lang="es-ES" sz="1500" dirty="0" smtClean="0"/>
+              <a:t>momento. </a:t>
             </a:r>
             <a:r>
               <a:rPr lang="es-ES" sz="1500" dirty="0"/>
-              <a:t> o APP”</a:t>
-            </a:r>
-          </a:p>
-          <a:p>
+              <a:t>Además hemos </a:t>
+            </a:r>
+            <a:r>
+              <a:rPr lang="es-ES" sz="1500" dirty="0" smtClean="0"/>
+              <a:t>incluido un menú de búsqueda avanzada que siempre está disponible en el menú de la cabecera. La </a:t>
+            </a:r>
             <a:r>
               <a:rPr lang="es-ES" sz="1500" dirty="0"/>
-              <a:t>El sistema me muestra una barra grande, rápida e intuitiva, en todo momento, excepto cuando estoy en el LOGIN o REGISTRO. Además hemos incluido opciones en la búsqueda</a:t>
-            </a:r>
-          </a:p>
-          <a:p>
-            <a:r>
-              <a:rPr lang="es-ES" sz="1500" dirty="0"/>
-              <a:t>La barra de búsqueda siempre tiene la misma funcionalidad.</a:t>
+              <a:t>barra de búsqueda siempre tiene la misma funcionalidad.</a:t>
             </a:r>
           </a:p>
           <a:p>
@@ -6413,7 +6593,9 @@
         </p:nvSpPr>
         <p:spPr/>
         <p:txBody>
-          <a:bodyPr/>
+          <a:bodyPr>
+            <a:normAutofit fontScale="90000"/>
+          </a:bodyPr>
           <a:lstStyle/>
           <a:p>
             <a:pPr algn="ctr"/>
@@ -6432,6 +6614,21 @@
                 </a:solidFill>
               </a:rPr>
               <a:t>3</a:t>
+            </a:r>
+            <a:br>
+              <a:rPr lang="es-ES" b="1" dirty="0" smtClean="0">
+                <a:solidFill>
+                  <a:srgbClr val="0070C0"/>
+                </a:solidFill>
+              </a:rPr>
+            </a:br>
+            <a:r>
+              <a:rPr lang="es-ES" b="1" dirty="0" smtClean="0">
+                <a:solidFill>
+                  <a:srgbClr val="0070C0"/>
+                </a:solidFill>
+              </a:rPr>
+              <a:t>Orden Criterios Búsqueda</a:t>
             </a:r>
             <a:r>
               <a:rPr lang="es-ES" b="1" dirty="0"/>
@@ -6454,7 +6651,12 @@
             <p:ph idx="1"/>
           </p:nvPr>
         </p:nvSpPr>
-        <p:spPr/>
+        <p:spPr>
+          <a:xfrm>
+            <a:off x="677334" y="1930401"/>
+            <a:ext cx="8596668" cy="4927600"/>
+          </a:xfrm>
+        </p:spPr>
         <p:txBody>
           <a:bodyPr>
             <a:normAutofit fontScale="77500" lnSpcReduction="20000"/>
@@ -6475,16 +6677,44 @@
           </a:p>
           <a:p>
             <a:r>
-              <a:rPr lang="es-ES" dirty="0"/>
+              <a:rPr lang="es-ES" i="1" dirty="0"/>
               <a:t>Como usuario me gustaría ordenar los productos por diferentes criterios, sobre los que he hecho la </a:t>
             </a:r>
             <a:r>
-              <a:rPr lang="es-ES" dirty="0" err="1"/>
-              <a:t>busqueda</a:t>
-            </a:r>
-            <a:r>
-              <a:rPr lang="es-ES" dirty="0"/>
-              <a:t>, de modo que se ordenen por  Relevancia; según opiniones, Precio Ascendente o Precio Descendente. Esto me va a ayudar a elegir el que mas se adecúa a mis necesidades.</a:t>
+              <a:rPr lang="es-ES" i="1" dirty="0" smtClean="0"/>
+              <a:t>búsqueda, </a:t>
+            </a:r>
+            <a:r>
+              <a:rPr lang="es-ES" i="1" dirty="0"/>
+              <a:t>de modo que se ordenen por  Relevancia; según </a:t>
+            </a:r>
+            <a:r>
+              <a:rPr lang="es-ES" i="1" dirty="0"/>
+              <a:t>O</a:t>
+            </a:r>
+            <a:r>
+              <a:rPr lang="es-ES" i="1" dirty="0" smtClean="0"/>
+              <a:t>piniones</a:t>
+            </a:r>
+            <a:r>
+              <a:rPr lang="es-ES" i="1" dirty="0"/>
+              <a:t>, Precio </a:t>
+            </a:r>
+            <a:r>
+              <a:rPr lang="es-ES" i="1" dirty="0" smtClean="0"/>
+              <a:t>Ascendente o </a:t>
+            </a:r>
+            <a:r>
+              <a:rPr lang="es-ES" i="1" dirty="0"/>
+              <a:t>Precio </a:t>
+            </a:r>
+            <a:r>
+              <a:rPr lang="es-ES" i="1" dirty="0" smtClean="0"/>
+              <a:t>Descendente, también me gustaría apoyar a los comerciantes minoristas o comprar de segunda mano. </a:t>
+            </a:r>
+            <a:r>
+              <a:rPr lang="es-ES" i="1" dirty="0"/>
+              <a:t>Esto me va a ayudar a elegir el que mas se adecúa a mis necesidades.</a:t>
             </a:r>
           </a:p>
           <a:p>
@@ -6501,22 +6731,30 @@
           </a:p>
           <a:p>
             <a:r>
+              <a:rPr lang="es-ES" u="sng" dirty="0"/>
+              <a:t>“Dado que estoy en el rol de un usuario registrado o usuario invitado cuando estoy navegando por mi </a:t>
+            </a:r>
+            <a:r>
+              <a:rPr lang="es-ES" u="sng" dirty="0" err="1"/>
+              <a:t>website</a:t>
+            </a:r>
+            <a:r>
+              <a:rPr lang="es-ES" u="sng" dirty="0"/>
+              <a:t> o APP necesito que se ordenen automáticamente bajo diferentes maneras ”</a:t>
+            </a:r>
+          </a:p>
+          <a:p>
+            <a:r>
               <a:rPr lang="es-ES" dirty="0"/>
-              <a:t>“Dado que estoy en el rol de un usuario registrado o usuario invitado cuando estoy navegando por mi </a:t>
-            </a:r>
-            <a:r>
-              <a:rPr lang="es-ES" dirty="0" err="1"/>
-              <a:t>website</a:t>
+              <a:t>El sistema me muestra un Menú </a:t>
+            </a:r>
+            <a:r>
+              <a:rPr lang="es-ES" dirty="0" smtClean="0"/>
+              <a:t>desplegable( Búsqueda avanzada y listado productos), </a:t>
             </a:r>
             <a:r>
               <a:rPr lang="es-ES" dirty="0"/>
-              <a:t> o APP necesito que se ordenen automáticamente bajo diferentes maneras ”</a:t>
-            </a:r>
-          </a:p>
-          <a:p>
-            <a:r>
-              <a:rPr lang="es-ES" dirty="0"/>
-              <a:t>El sistema me muestra un Menú desplegable, en el que puedo elegir criterios de ordenación:</a:t>
+              <a:t>en el que puedo elegir criterios de ordenación:</a:t>
             </a:r>
           </a:p>
           <a:p>
@@ -6534,8 +6772,25 @@
           <a:p>
             <a:r>
               <a:rPr lang="es-ES" dirty="0"/>
-              <a:t>Precio Descendente.</a:t>
-            </a:r>
+              <a:t>Precio Descendente</a:t>
+            </a:r>
+            <a:r>
+              <a:rPr lang="es-ES" dirty="0" smtClean="0"/>
+              <a:t>.</a:t>
+            </a:r>
+          </a:p>
+          <a:p>
+            <a:r>
+              <a:rPr lang="es-ES" dirty="0" smtClean="0"/>
+              <a:t>Segunda Mano Primero</a:t>
+            </a:r>
+          </a:p>
+          <a:p>
+            <a:r>
+              <a:rPr lang="es-ES" dirty="0" smtClean="0"/>
+              <a:t>Pequeño Comercio Primero.</a:t>
+            </a:r>
+            <a:endParaRPr lang="es-ES" dirty="0"/>
           </a:p>
           <a:p>
             <a:endParaRPr lang="es" dirty="0"/>
@@ -6618,7 +6873,7 @@
                   <a:srgbClr val="0070C0"/>
                 </a:solidFill>
               </a:rPr>
-              <a:t>4</a:t>
+              <a:t>4 Filtros</a:t>
             </a:r>
             <a:r>
               <a:rPr lang="es-ES" b="1" dirty="0"/>
@@ -6644,7 +6899,7 @@
         <p:spPr>
           <a:xfrm>
             <a:off x="677334" y="1269242"/>
-            <a:ext cx="8596668" cy="5268035"/>
+            <a:ext cx="8596668" cy="5588758"/>
           </a:xfrm>
         </p:spPr>
         <p:txBody>
@@ -6667,15 +6922,15 @@
               <a:buNone/>
             </a:pPr>
             <a:r>
-              <a:rPr lang="es-ES" sz="5600" dirty="0"/>
+              <a:rPr lang="es-ES" sz="5600" i="1" dirty="0"/>
               <a:t>Como usuario quiero poder hacer una búsqueda avanzada al poner una categoría y agregar filtros para poder elegir mis criterios con mayor </a:t>
             </a:r>
             <a:r>
-              <a:rPr lang="es-ES" sz="5600" dirty="0" err="1"/>
+              <a:rPr lang="es-ES" sz="5600" i="1" dirty="0" err="1"/>
               <a:t>rápidez</a:t>
             </a:r>
             <a:r>
-              <a:rPr lang="es-ES" sz="5600" dirty="0"/>
+              <a:rPr lang="es-ES" sz="5600" i="1" dirty="0"/>
               <a:t> y precisión y acceder a información especializada.</a:t>
             </a:r>
           </a:p>
@@ -6699,15 +6954,15 @@
               <a:buNone/>
             </a:pPr>
             <a:r>
-              <a:rPr lang="es-ES" sz="5600" dirty="0"/>
+              <a:rPr lang="es-ES" sz="5600" u="sng" dirty="0"/>
               <a:t>“Dado que estoy en el rol de un usuario registrado o usuario invitado cuando estoy navegando por un </a:t>
             </a:r>
             <a:r>
-              <a:rPr lang="es-ES" sz="5600" dirty="0" err="1"/>
+              <a:rPr lang="es-ES" sz="5600" u="sng" dirty="0" err="1"/>
               <a:t>website</a:t>
             </a:r>
             <a:r>
-              <a:rPr lang="es-ES" sz="5600" dirty="0"/>
+              <a:rPr lang="es-ES" sz="5600" u="sng" dirty="0"/>
               <a:t> o APP necesito hacer búsquedas avanzadas ”</a:t>
             </a:r>
           </a:p>
@@ -6720,12 +6975,12 @@
               <a:t>El sistema me muestra una barra de </a:t>
             </a:r>
             <a:r>
-              <a:rPr lang="es-ES" sz="5600" dirty="0" err="1"/>
-              <a:t>menu</a:t>
+              <a:rPr lang="es-ES" sz="5600" dirty="0" smtClean="0"/>
+              <a:t>menú </a:t>
             </a:r>
             <a:r>
               <a:rPr lang="es-ES" sz="5600" dirty="0"/>
-              <a:t> desplegable en el margen superior derecho del menú en el que sale la búsqueda avanzada y se muestra una nueva pantalla en el que la búsqueda se puede organizar por categorías:</a:t>
+              <a:t>desplegable en el margen superior derecho del menú en el que sale la búsqueda avanzada y se muestra una nueva pantalla en el que la búsqueda se puede organizar por categorías:</a:t>
             </a:r>
           </a:p>
           <a:p>
@@ -6742,15 +6997,15 @@
           </a:p>
           <a:p>
             <a:r>
-              <a:rPr lang="es-ES" sz="5600" dirty="0" err="1"/>
-              <a:t>Tecnologia</a:t>
+              <a:rPr lang="es-ES" sz="5600" dirty="0" smtClean="0"/>
+              <a:t>Tecnología</a:t>
             </a:r>
             <a:endParaRPr lang="es-ES" sz="5600" dirty="0"/>
           </a:p>
           <a:p>
             <a:r>
-              <a:rPr lang="es-ES" sz="5600" dirty="0" err="1"/>
-              <a:t>Libreria</a:t>
+              <a:rPr lang="es-ES" sz="5600" dirty="0" smtClean="0"/>
+              <a:t>Librería</a:t>
             </a:r>
             <a:endParaRPr lang="es-ES" sz="5600" dirty="0"/>
           </a:p>
@@ -6761,36 +7016,41 @@
             </a:r>
           </a:p>
           <a:p>
+            <a:pPr marL="0" indent="0">
+              <a:buNone/>
+            </a:pPr>
+            <a:r>
+              <a:rPr lang="es-ES" sz="5600" dirty="0" smtClean="0"/>
+              <a:t>Otro </a:t>
+            </a:r>
             <a:r>
               <a:rPr lang="es-ES" sz="5600" dirty="0"/>
-              <a:t>Segunda Mano primero</a:t>
-            </a:r>
-          </a:p>
-          <a:p>
+              <a:t>criterio es el precio el cual puede modificarse desde hasta de modo simple con una barra. También pueden elegirse para un mayor ahorro;  </a:t>
+            </a:r>
+            <a:endParaRPr lang="es-ES" sz="5600" dirty="0" smtClean="0"/>
+          </a:p>
+          <a:p>
+            <a:pPr marL="0" indent="0">
+              <a:buNone/>
+            </a:pPr>
+            <a:r>
+              <a:rPr lang="es-ES" sz="5600" dirty="0" smtClean="0"/>
+              <a:t>       Segunda </a:t>
+            </a:r>
             <a:r>
               <a:rPr lang="es-ES" sz="5600" dirty="0"/>
-              <a:t>Pequeño Comercio primero</a:t>
-            </a:r>
-          </a:p>
-          <a:p>
-            <a:pPr marL="0" indent="0">
-              <a:buNone/>
-            </a:pPr>
+              <a:t>Mano</a:t>
+            </a:r>
+            <a:endParaRPr lang="es-ES" sz="5600" dirty="0"/>
+          </a:p>
+          <a:p>
+            <a:r>
+              <a:rPr lang="es-ES" sz="5600" dirty="0" smtClean="0"/>
+              <a:t>Vales </a:t>
+            </a:r>
             <a:r>
               <a:rPr lang="es-ES" sz="5600" dirty="0"/>
-              <a:t>Otro criterio es el precio el cual puede modificarse desde hasta de modo simple con una barra. También pueden elegirse para un mayor ahorro;  </a:t>
-            </a:r>
-          </a:p>
-          <a:p>
-            <a:r>
-              <a:rPr lang="es-ES" sz="5600" dirty="0"/>
-              <a:t>Subastas</a:t>
-            </a:r>
-          </a:p>
-          <a:p>
-            <a:r>
-              <a:rPr lang="es-ES" sz="5600" dirty="0"/>
-              <a:t>Vales Descuento</a:t>
+              <a:t>Descuento</a:t>
             </a:r>
           </a:p>
           <a:p>
@@ -6861,14 +7121,37 @@
           <a:p>
             <a:pPr algn="ctr"/>
             <a:r>
-              <a:rPr lang="es-ES" dirty="0" smtClean="0">
+              <a:rPr lang="es-ES" b="1" dirty="0" smtClean="0">
                 <a:solidFill>
                   <a:srgbClr val="0070C0"/>
                 </a:solidFill>
               </a:rPr>
-              <a:t>Historia de Usuario 5</a:t>
-            </a:r>
-            <a:endParaRPr lang="es-ES" dirty="0">
+              <a:t>Historia de Usuario </a:t>
+            </a:r>
+            <a:r>
+              <a:rPr lang="es-ES" b="1" dirty="0" smtClean="0">
+                <a:solidFill>
+                  <a:srgbClr val="0070C0"/>
+                </a:solidFill>
+              </a:rPr>
+              <a:t>5 </a:t>
+            </a:r>
+            <a:br>
+              <a:rPr lang="es-ES" b="1" dirty="0" smtClean="0">
+                <a:solidFill>
+                  <a:srgbClr val="0070C0"/>
+                </a:solidFill>
+              </a:rPr>
+            </a:br>
+            <a:r>
+              <a:rPr lang="es-ES" b="1" dirty="0" smtClean="0">
+                <a:solidFill>
+                  <a:srgbClr val="0070C0"/>
+                </a:solidFill>
+              </a:rPr>
+              <a:t>Segunda Mano</a:t>
+            </a:r>
+            <a:endParaRPr lang="es-ES" b="1" dirty="0">
               <a:solidFill>
                 <a:srgbClr val="0070C0"/>
               </a:solidFill>
@@ -6886,7 +7169,12 @@
             <p:ph idx="1"/>
           </p:nvPr>
         </p:nvSpPr>
-        <p:spPr/>
+        <p:spPr>
+          <a:xfrm>
+            <a:off x="677334" y="2160589"/>
+            <a:ext cx="8596668" cy="4049142"/>
+          </a:xfrm>
+        </p:spPr>
         <p:txBody>
           <a:bodyPr>
             <a:normAutofit/>
@@ -6905,39 +7193,31 @@
           </a:p>
           <a:p>
             <a:r>
-              <a:rPr lang="es-ES" sz="1500" dirty="0"/>
+              <a:rPr lang="es-ES" sz="1500" i="1" dirty="0"/>
               <a:t>Como usuario quiero categorizados y comparados productos de segunda mano, comparados entre sí y comparados con productos nuevos porque me es muy </a:t>
             </a:r>
             <a:r>
-              <a:rPr lang="es-ES" sz="1500" dirty="0" err="1"/>
-              <a:t>dificil</a:t>
-            </a:r>
-            <a:r>
-              <a:rPr lang="es-ES" sz="1500" dirty="0"/>
-              <a:t> ir a </a:t>
-            </a:r>
-            <a:r>
-              <a:rPr lang="es-ES" sz="1500" dirty="0" err="1"/>
-              <a:t>págnas</a:t>
-            </a:r>
-            <a:r>
-              <a:rPr lang="es-ES" sz="1500" dirty="0"/>
-              <a:t>  </a:t>
-            </a:r>
-            <a:r>
-              <a:rPr lang="es-ES" sz="1500" dirty="0" err="1"/>
-              <a:t>wbs</a:t>
-            </a:r>
-            <a:r>
-              <a:rPr lang="es-ES" sz="1500" dirty="0"/>
-              <a:t> y buscar aplicaciones o </a:t>
-            </a:r>
-            <a:r>
-              <a:rPr lang="es-ES" sz="1500" dirty="0" err="1"/>
+              <a:rPr lang="es-ES" sz="1500" i="1" dirty="0" smtClean="0"/>
+              <a:t>difícil </a:t>
+            </a:r>
+            <a:r>
+              <a:rPr lang="es-ES" sz="1500" i="1" dirty="0"/>
+              <a:t>ir a </a:t>
+            </a:r>
+            <a:r>
+              <a:rPr lang="es-ES" sz="1500" i="1" dirty="0" smtClean="0"/>
+              <a:t>páginas webs </a:t>
+            </a:r>
+            <a:r>
+              <a:rPr lang="es-ES" sz="1500" i="1" dirty="0"/>
+              <a:t>y buscar aplicaciones o </a:t>
+            </a:r>
+            <a:r>
+              <a:rPr lang="es-ES" sz="1500" i="1" dirty="0" err="1"/>
               <a:t>websites</a:t>
             </a:r>
             <a:r>
-              <a:rPr lang="es-ES" sz="1500" dirty="0"/>
+              <a:rPr lang="es-ES" sz="1500" i="1" dirty="0"/>
               <a:t> de segunda mano de particulares o empresas para poder comparar precios.</a:t>
             </a:r>
           </a:p>
@@ -6950,20 +7230,25 @@
           <a:p>
             <a:r>
               <a:rPr lang="es-ES" sz="1500" dirty="0"/>
-              <a:t>Escenario: El usuario quiere que se incluyan productos de segunda mano.</a:t>
-            </a:r>
-          </a:p>
-          <a:p>
-            <a:r>
-              <a:rPr lang="es-ES" sz="1500" dirty="0"/>
+              <a:t>Escenario: El usuario quiere que se incluyan productos de segunda </a:t>
+            </a:r>
+            <a:r>
+              <a:rPr lang="es-ES" sz="1500" dirty="0" smtClean="0"/>
+              <a:t>mano y se puedan comparar.</a:t>
+            </a:r>
+            <a:endParaRPr lang="es-ES" sz="1500" dirty="0"/>
+          </a:p>
+          <a:p>
+            <a:r>
+              <a:rPr lang="es-ES" sz="1500" u="sng" dirty="0"/>
               <a:t>“Dado que estoy en el rol de un usuario registrado o usuario invitado cuando estoy navegando por un </a:t>
             </a:r>
             <a:r>
-              <a:rPr lang="es-ES" sz="1500" dirty="0" err="1"/>
+              <a:rPr lang="es-ES" sz="1500" u="sng" dirty="0" err="1"/>
               <a:t>website</a:t>
             </a:r>
             <a:r>
-              <a:rPr lang="es-ES" sz="1500" dirty="0"/>
+              <a:rPr lang="es-ES" sz="1500" u="sng" dirty="0"/>
               <a:t> o APP de productos de segunda mano para no usar paginas web externas."</a:t>
             </a:r>
           </a:p>
@@ -6973,12 +7258,12 @@
               <a:t>El sistema me muestra en los listados productos de segunda mano y además puedo elegirlo en la búsqueda avanzada, como opción o no </a:t>
             </a:r>
             <a:r>
-              <a:rPr lang="es-ES" sz="1500" dirty="0" err="1"/>
-              <a:t>selecccionarlo</a:t>
+              <a:rPr lang="es-ES" sz="1500" dirty="0" smtClean="0"/>
+              <a:t>seleccionarlo </a:t>
             </a:r>
             <a:r>
               <a:rPr lang="es-ES" sz="1500" dirty="0"/>
-              <a:t> sino lo necesito.</a:t>
+              <a:t>sino lo necesito.</a:t>
             </a:r>
           </a:p>
           <a:p>
@@ -7035,7 +7320,9 @@
         </p:nvSpPr>
         <p:spPr/>
         <p:txBody>
-          <a:bodyPr/>
+          <a:bodyPr>
+            <a:normAutofit fontScale="90000"/>
+          </a:bodyPr>
           <a:lstStyle/>
           <a:p>
             <a:pPr algn="ctr"/>
@@ -7045,7 +7332,54 @@
                   <a:srgbClr val="0070C0"/>
                 </a:solidFill>
               </a:rPr>
-              <a:t>Historia de Usuario 6</a:t>
+              <a:t>Historia de Usuario </a:t>
+            </a:r>
+            <a:r>
+              <a:rPr lang="es-ES" b="1" dirty="0" smtClean="0">
+                <a:solidFill>
+                  <a:srgbClr val="0070C0"/>
+                </a:solidFill>
+              </a:rPr>
+              <a:t>6</a:t>
+            </a:r>
+            <a:br>
+              <a:rPr lang="es-ES" b="1" dirty="0" smtClean="0">
+                <a:solidFill>
+                  <a:srgbClr val="0070C0"/>
+                </a:solidFill>
+              </a:rPr>
+            </a:br>
+            <a:r>
+              <a:rPr lang="es-ES" b="1" dirty="0" err="1" smtClean="0">
+                <a:solidFill>
+                  <a:srgbClr val="0070C0"/>
+                </a:solidFill>
+              </a:rPr>
+              <a:t>Login</a:t>
+            </a:r>
+            <a:r>
+              <a:rPr lang="es-ES" b="1" dirty="0" smtClean="0">
+                <a:solidFill>
+                  <a:srgbClr val="0070C0"/>
+                </a:solidFill>
+              </a:rPr>
+              <a:t> o </a:t>
+            </a:r>
+            <a:r>
+              <a:rPr lang="es-ES" b="1" dirty="0" err="1" smtClean="0">
+                <a:solidFill>
+                  <a:srgbClr val="0070C0"/>
+                </a:solidFill>
+              </a:rPr>
+              <a:t>User</a:t>
+            </a:r>
+            <a:r>
+              <a:rPr lang="es-ES" b="1" dirty="0" smtClean="0">
+                <a:solidFill>
+                  <a:srgbClr val="0070C0"/>
+                </a:solidFill>
+              </a:rPr>
+              <a:t> </a:t>
             </a:r>
             <a:r>
               <a:rPr lang="es-ES" b="1" dirty="0"/>
@@ -7086,24 +7420,24 @@
           </a:p>
           <a:p>
             <a:r>
-              <a:rPr lang="es-ES" sz="1400" dirty="0"/>
+              <a:rPr lang="es-ES" sz="1400" i="1" dirty="0"/>
               <a:t>Como usuario preferiría no registrarme en algunos momentos, o hacer </a:t>
             </a:r>
             <a:r>
-              <a:rPr lang="es-ES" sz="1400" dirty="0" err="1"/>
+              <a:rPr lang="es-ES" sz="1400" i="1" dirty="0" err="1"/>
               <a:t>login</a:t>
             </a:r>
             <a:r>
-              <a:rPr lang="es-ES" sz="1400" dirty="0"/>
+              <a:rPr lang="es-ES" sz="1400" i="1" dirty="0"/>
               <a:t> y en algunos momentos es </a:t>
             </a:r>
             <a:r>
-              <a:rPr lang="es-ES" sz="1400" dirty="0" err="1"/>
-              <a:t>icnomodo</a:t>
-            </a:r>
-            <a:r>
-              <a:rPr lang="es-ES" sz="1400" dirty="0"/>
-              <a:t> y no tengo tiempo suficiente para el registro.</a:t>
+              <a:rPr lang="es-ES" sz="1400" i="1" dirty="0" smtClean="0"/>
+              <a:t>incómodo </a:t>
+            </a:r>
+            <a:r>
+              <a:rPr lang="es-ES" sz="1400" i="1" dirty="0"/>
+              <a:t>y no tengo tiempo suficiente para el registro.</a:t>
             </a:r>
           </a:p>
           <a:p>
@@ -7120,15 +7454,15 @@
           </a:p>
           <a:p>
             <a:r>
-              <a:rPr lang="es-ES" sz="1400" dirty="0"/>
+              <a:rPr lang="es-ES" sz="1400" u="sng" dirty="0"/>
               <a:t>“Dado que estoy en el rol de un usuario registrado o usuario invitado cuando estoy navegando por un </a:t>
             </a:r>
             <a:r>
-              <a:rPr lang="es-ES" sz="1400" dirty="0" err="1"/>
+              <a:rPr lang="es-ES" sz="1400" u="sng" dirty="0" err="1"/>
               <a:t>website</a:t>
             </a:r>
             <a:r>
-              <a:rPr lang="es-ES" sz="1400" dirty="0"/>
+              <a:rPr lang="es-ES" sz="1400" u="sng" dirty="0"/>
               <a:t> o APP de productos para el ahorro no tener que registrarme"</a:t>
             </a:r>
           </a:p>
@@ -7200,7 +7534,9 @@
         </p:nvSpPr>
         <p:spPr/>
         <p:txBody>
-          <a:bodyPr/>
+          <a:bodyPr>
+            <a:normAutofit fontScale="90000"/>
+          </a:bodyPr>
           <a:lstStyle/>
           <a:p>
             <a:pPr algn="ctr"/>
@@ -7210,7 +7546,30 @@
                   <a:srgbClr val="0070C0"/>
                 </a:solidFill>
               </a:rPr>
-              <a:t>Historia de Usuario 7</a:t>
+              <a:t>Historia de Usuario </a:t>
+            </a:r>
+            <a:r>
+              <a:rPr lang="es-ES" b="1" dirty="0" smtClean="0">
+                <a:solidFill>
+                  <a:srgbClr val="0070C0"/>
+                </a:solidFill>
+              </a:rPr>
+              <a:t>7</a:t>
+            </a:r>
+            <a:br>
+              <a:rPr lang="es-ES" b="1" dirty="0" smtClean="0">
+                <a:solidFill>
+                  <a:srgbClr val="0070C0"/>
+                </a:solidFill>
+              </a:rPr>
+            </a:br>
+            <a:r>
+              <a:rPr lang="es-ES" b="1" dirty="0" smtClean="0">
+                <a:solidFill>
+                  <a:srgbClr val="0070C0"/>
+                </a:solidFill>
+              </a:rPr>
+              <a:t>Cupones y Vales de Descuento</a:t>
             </a:r>
             <a:r>
               <a:rPr lang="es-ES" b="1" dirty="0"/>
@@ -7252,13 +7611,13 @@
           </a:p>
           <a:p>
             <a:r>
-              <a:rPr lang="es-ES" sz="1400" dirty="0"/>
+              <a:rPr lang="es-ES" sz="1400" i="1" dirty="0"/>
               <a:t>Me gustaría encontrar vales de descuentos y cupones que no estén caducados y estén completamente actualizados.</a:t>
             </a:r>
           </a:p>
           <a:p>
             <a:r>
-              <a:rPr lang="es-ES" sz="1400" dirty="0"/>
+              <a:rPr lang="es-ES" sz="1400" b="1" dirty="0"/>
               <a:t>Criterios de Aceptación</a:t>
             </a:r>
           </a:p>
@@ -7270,15 +7629,15 @@
           </a:p>
           <a:p>
             <a:r>
-              <a:rPr lang="es-ES" sz="1400" dirty="0"/>
+              <a:rPr lang="es-ES" sz="1400" u="sng" dirty="0"/>
               <a:t>“Dado que estoy en el rol de un usuario registrado o usuario invitado cuando estoy navegando por un </a:t>
             </a:r>
             <a:r>
-              <a:rPr lang="es-ES" sz="1400" dirty="0" err="1"/>
+              <a:rPr lang="es-ES" sz="1400" u="sng" dirty="0" err="1"/>
               <a:t>website</a:t>
             </a:r>
             <a:r>
-              <a:rPr lang="es-ES" sz="1400" dirty="0"/>
+              <a:rPr lang="es-ES" sz="1400" u="sng" dirty="0"/>
               <a:t> o APP quiero vales que me permitan ahorrar y cupones pero que no estén caducados"</a:t>
             </a:r>
           </a:p>
